--- a/Module 8 Input and Output.pptx
+++ b/Module 8 Input and Output.pptx
@@ -3129,7 +3129,7 @@
           <a:p>
             <a:fld id="{27C51645-911E-6046-8583-498ECD4C8BD5}" type="datetimeFigureOut">
               <a:rPr lang="en-US" smtClean="0"/>
-              <a:t>2/19/19</a:t>
+              <a:t>3/8/25</a:t>
             </a:fld>
             <a:endParaRPr lang="en-US"/>
           </a:p>
@@ -7523,7 +7523,7 @@
           <a:p>
             <a:fld id="{C1D8C058-2DEF-4B28-BB8B-D5F1564F7CAA}" type="datetimeFigureOut">
               <a:rPr lang="en-US" smtClean="0"/>
-              <a:t>2/19/19</a:t>
+              <a:t>3/8/25</a:t>
             </a:fld>
             <a:endParaRPr lang="en-US"/>
           </a:p>
@@ -7686,7 +7686,7 @@
           <a:p>
             <a:fld id="{C1D8C058-2DEF-4B28-BB8B-D5F1564F7CAA}" type="datetimeFigureOut">
               <a:rPr lang="en-US" smtClean="0"/>
-              <a:t>2/19/19</a:t>
+              <a:t>3/8/25</a:t>
             </a:fld>
             <a:endParaRPr lang="en-US"/>
           </a:p>
@@ -7859,7 +7859,7 @@
           <a:p>
             <a:fld id="{C1D8C058-2DEF-4B28-BB8B-D5F1564F7CAA}" type="datetimeFigureOut">
               <a:rPr lang="en-US" smtClean="0"/>
-              <a:t>2/19/19</a:t>
+              <a:t>3/8/25</a:t>
             </a:fld>
             <a:endParaRPr lang="en-US"/>
           </a:p>
@@ -8022,7 +8022,7 @@
           <a:p>
             <a:fld id="{C1D8C058-2DEF-4B28-BB8B-D5F1564F7CAA}" type="datetimeFigureOut">
               <a:rPr lang="en-US" smtClean="0"/>
-              <a:t>2/19/19</a:t>
+              <a:t>3/8/25</a:t>
             </a:fld>
             <a:endParaRPr lang="en-US"/>
           </a:p>
@@ -8262,7 +8262,7 @@
           <a:p>
             <a:fld id="{C1D8C058-2DEF-4B28-BB8B-D5F1564F7CAA}" type="datetimeFigureOut">
               <a:rPr lang="en-US" smtClean="0"/>
-              <a:t>2/19/19</a:t>
+              <a:t>3/8/25</a:t>
             </a:fld>
             <a:endParaRPr lang="en-US"/>
           </a:p>
@@ -8542,7 +8542,7 @@
           <a:p>
             <a:fld id="{C1D8C058-2DEF-4B28-BB8B-D5F1564F7CAA}" type="datetimeFigureOut">
               <a:rPr lang="en-US" smtClean="0"/>
-              <a:t>2/19/19</a:t>
+              <a:t>3/8/25</a:t>
             </a:fld>
             <a:endParaRPr lang="en-US"/>
           </a:p>
@@ -8956,7 +8956,7 @@
           <a:p>
             <a:fld id="{C1D8C058-2DEF-4B28-BB8B-D5F1564F7CAA}" type="datetimeFigureOut">
               <a:rPr lang="en-US" smtClean="0"/>
-              <a:t>2/19/19</a:t>
+              <a:t>3/8/25</a:t>
             </a:fld>
             <a:endParaRPr lang="en-US"/>
           </a:p>
@@ -9068,7 +9068,7 @@
           <a:p>
             <a:fld id="{C1D8C058-2DEF-4B28-BB8B-D5F1564F7CAA}" type="datetimeFigureOut">
               <a:rPr lang="en-US" smtClean="0"/>
-              <a:t>2/19/19</a:t>
+              <a:t>3/8/25</a:t>
             </a:fld>
             <a:endParaRPr lang="en-US"/>
           </a:p>
@@ -9158,7 +9158,7 @@
           <a:p>
             <a:fld id="{C1D8C058-2DEF-4B28-BB8B-D5F1564F7CAA}" type="datetimeFigureOut">
               <a:rPr lang="en-US" smtClean="0"/>
-              <a:t>2/19/19</a:t>
+              <a:t>3/8/25</a:t>
             </a:fld>
             <a:endParaRPr lang="en-US"/>
           </a:p>
@@ -9428,7 +9428,7 @@
           <a:p>
             <a:fld id="{C1D8C058-2DEF-4B28-BB8B-D5F1564F7CAA}" type="datetimeFigureOut">
               <a:rPr lang="en-US" smtClean="0"/>
-              <a:t>2/19/19</a:t>
+              <a:t>3/8/25</a:t>
             </a:fld>
             <a:endParaRPr lang="en-US"/>
           </a:p>
@@ -9675,7 +9675,7 @@
           <a:p>
             <a:fld id="{C1D8C058-2DEF-4B28-BB8B-D5F1564F7CAA}" type="datetimeFigureOut">
               <a:rPr lang="en-US" smtClean="0"/>
-              <a:t>2/19/19</a:t>
+              <a:t>3/8/25</a:t>
             </a:fld>
             <a:endParaRPr lang="en-US"/>
           </a:p>
@@ -9881,7 +9881,7 @@
           <a:p>
             <a:fld id="{C1D8C058-2DEF-4B28-BB8B-D5F1564F7CAA}" type="datetimeFigureOut">
               <a:rPr lang="en-US" smtClean="0"/>
-              <a:t>2/19/19</a:t>
+              <a:t>3/8/25</a:t>
             </a:fld>
             <a:endParaRPr lang="en-US"/>
           </a:p>
@@ -10751,7 +10751,7 @@
               <a:buNone/>
             </a:pPr>
             <a:r>
-              <a:rPr lang="en-US"/>
+              <a:rPr lang="en-US" dirty="0"/>
               <a:t>&gt;fun &lt;- function() {</a:t>
             </a:r>
           </a:p>
@@ -10760,8 +10760,16 @@
               <a:buNone/>
             </a:pPr>
             <a:r>
-              <a:rPr lang="en-US"/>
-              <a:t>  ANSWER &lt;- readline("Are you a satisfied R user? ")</a:t>
+              <a:rPr lang="en-US" dirty="0"/>
+              <a:t>  ANSWER &lt;- </a:t>
+            </a:r>
+            <a:r>
+              <a:rPr lang="en-US" dirty="0" err="1"/>
+              <a:t>readline</a:t>
+            </a:r>
+            <a:r>
+              <a:rPr lang="en-US" dirty="0"/>
+              <a:t>("Are you a satisfied R user? ")</a:t>
             </a:r>
           </a:p>
           <a:p>
@@ -10769,8 +10777,16 @@
               <a:buNone/>
             </a:pPr>
             <a:r>
-              <a:rPr lang="en-US"/>
-              <a:t>  if (substr(ANSWER, 1, 1) == "n")</a:t>
+              <a:rPr lang="en-US" dirty="0"/>
+              <a:t>  if (</a:t>
+            </a:r>
+            <a:r>
+              <a:rPr lang="en-US" dirty="0" err="1"/>
+              <a:t>substr</a:t>
+            </a:r>
+            <a:r>
+              <a:rPr lang="en-US" dirty="0"/>
+              <a:t>(ANSWER, 1, 1) == "n")</a:t>
             </a:r>
           </a:p>
           <a:p>
@@ -10778,7 +10794,7 @@
               <a:buNone/>
             </a:pPr>
             <a:r>
-              <a:rPr lang="en-US"/>
+              <a:rPr lang="en-US" dirty="0"/>
               <a:t>    cat("This is impossible.  YOU LIED!\n")</a:t>
             </a:r>
           </a:p>
@@ -10787,7 +10803,7 @@
               <a:buNone/>
             </a:pPr>
             <a:r>
-              <a:rPr lang="en-US"/>
+              <a:rPr lang="en-US" dirty="0"/>
               <a:t>  else</a:t>
             </a:r>
           </a:p>
@@ -10796,7 +10812,7 @@
               <a:buNone/>
             </a:pPr>
             <a:r>
-              <a:rPr lang="en-US"/>
+              <a:rPr lang="en-US" dirty="0"/>
               <a:t>    cat("I knew it.\n")</a:t>
             </a:r>
           </a:p>
@@ -10805,17 +10821,16 @@
               <a:buNone/>
             </a:pPr>
             <a:r>
-              <a:rPr lang="en-US"/>
+              <a:rPr lang="en-US" dirty="0"/>
               <a:t>}</a:t>
             </a:r>
             <a:br>
-              <a:rPr lang="en-US"/>
+              <a:rPr lang="en-US" dirty="0"/>
             </a:br>
             <a:r>
-              <a:rPr lang="en-US"/>
+              <a:rPr lang="en-US" dirty="0"/>
               <a:t>&gt;fun() </a:t>
             </a:r>
-            <a:endParaRPr lang="en-US" dirty="0"/>
           </a:p>
         </p:txBody>
       </p:sp>
@@ -13195,7 +13210,7 @@
             </a:r>
             <a:r>
               <a:rPr lang="en-US" dirty="0"/>
-              <a:t> is traditionally a sequence of characters, either as a some kind of variable. A string is generally understood as a data type and is often implemented as an array of bytes (or words) that stores a sequence of elements, typically characters, using some character encoding. </a:t>
+              <a:t> is traditionally a sequence of characters, either as some kind of variable. A string is generally understood as a data type and is often implemented as an array of bytes (or words) that stores a sequence of elements, typically characters, using some character encoding. </a:t>
             </a:r>
           </a:p>
           <a:p>
@@ -13777,15 +13792,7 @@
           <a:p>
             <a:r>
               <a:rPr lang="en-US" dirty="0"/>
-              <a:t>If you are looking to a specific set of characters in a string (or elements in a vector) you can do that with </a:t>
-            </a:r>
-            <a:r>
-              <a:rPr lang="en-US" dirty="0" err="1"/>
-              <a:t>grep</a:t>
-            </a:r>
-            <a:r>
-              <a:rPr lang="en-US" dirty="0"/>
-              <a:t>()</a:t>
+              <a:t>If you are looking to a specific set of characters in a string (or elements in a vector) you can do that with grep() </a:t>
             </a:r>
           </a:p>
           <a:p>
@@ -14173,7 +14180,7 @@
             </a:r>
             <a:r>
               <a:rPr lang="en-US" dirty="0"/>
-              <a:t> function determines the size of each elements of an character vector. </a:t>
+              <a:t> function determines the size of each elements of a character vector. </a:t>
             </a:r>
             <a:r>
               <a:rPr lang="en-US" b="1" dirty="0" err="1"/>
@@ -14272,22 +14279,7 @@
             </a:r>
             <a:r>
               <a:rPr lang="en-US" dirty="0"/>
-              <a:t>: logical: should NA be returned for invalid </a:t>
-            </a:r>
-            <a:r>
-              <a:rPr lang="en-US" dirty="0" err="1"/>
-              <a:t>multibyte</a:t>
-            </a:r>
-            <a:r>
-              <a:rPr lang="en-US" dirty="0"/>
-              <a:t> strings or "bytes"-encoded</a:t>
-            </a:r>
-            <a:br>
-              <a:rPr lang="en-US" dirty="0"/>
-            </a:br>
-            <a:r>
-              <a:rPr lang="en-US" dirty="0"/>
-              <a:t>    strings (rather than throwing an error)?</a:t>
+              <a:t>: logical: should NA be returned for invalid multibyte strings or "bytes"-encoded strings (rather than throwing an error)?</a:t>
             </a:r>
             <a:br>
               <a:rPr lang="en-US" dirty="0"/>
@@ -18137,55 +18129,71 @@
               <a:buNone/>
             </a:pPr>
             <a:r>
-              <a:rPr lang="en-US" sz="2100"/>
+              <a:rPr lang="en-US" sz="2100" dirty="0"/>
               <a:t>Here is an example of Data located at UCLA </a:t>
             </a:r>
             <a:br>
-              <a:rPr lang="en-US" sz="2100">
+              <a:rPr lang="en-US" sz="2100" dirty="0">
                 <a:hlinkClick r:id="rId3"/>
               </a:rPr>
             </a:br>
             <a:r>
-              <a:rPr lang="en-US" sz="2100">
+              <a:rPr lang="en-US" sz="2100" dirty="0">
                 <a:hlinkClick r:id="rId3"/>
               </a:rPr>
               <a:t>http://www.ats.ucla.edu/stat/data/scan.txt</a:t>
             </a:r>
             <a:br>
-              <a:rPr lang="en-US" sz="2100"/>
+              <a:rPr lang="en-US" sz="2100" dirty="0"/>
             </a:br>
             <a:r>
-              <a:rPr lang="en-US" sz="2100"/>
+              <a:rPr lang="en-US" sz="2100" dirty="0"/>
               <a:t>The code:</a:t>
             </a:r>
             <a:br>
-              <a:rPr lang="en-US" sz="2100"/>
+              <a:rPr lang="en-US" sz="2100" dirty="0"/>
             </a:br>
             <a:r>
-              <a:rPr lang="en-US" sz="2100"/>
+              <a:rPr lang="en-US" sz="2100" dirty="0"/>
               <a:t> x &lt;-</a:t>
             </a:r>
             <a:r>
-              <a:rPr lang="en-US" sz="2100" b="1"/>
+              <a:rPr lang="en-US" sz="2100" b="1" dirty="0"/>
               <a:t>scan</a:t>
             </a:r>
             <a:r>
-              <a:rPr lang="en-US" sz="2100"/>
-              <a:t>("http://www.ats.ucla.edu/stat/data/scan.txt", what = </a:t>
-            </a:r>
-            <a:r>
-              <a:rPr lang="en-US" sz="2100" b="1"/>
+              <a:rPr lang="en-US" sz="2100" dirty="0"/>
+              <a:t>("http://</a:t>
+            </a:r>
+            <a:r>
+              <a:rPr lang="en-US" sz="2100" dirty="0" err="1"/>
+              <a:t>www.ats.ucla.edu</a:t>
+            </a:r>
+            <a:r>
+              <a:rPr lang="en-US" sz="2100" dirty="0"/>
+              <a:t>/stat/data/</a:t>
+            </a:r>
+            <a:r>
+              <a:rPr lang="en-US" sz="2100" dirty="0" err="1"/>
+              <a:t>scan.txt</a:t>
+            </a:r>
+            <a:r>
+              <a:rPr lang="en-US" sz="2100" dirty="0"/>
+              <a:t>", what = </a:t>
+            </a:r>
+            <a:r>
+              <a:rPr lang="en-US" sz="2100" b="1" dirty="0"/>
               <a:t>list</a:t>
             </a:r>
             <a:r>
-              <a:rPr lang="en-US" sz="2100"/>
+              <a:rPr lang="en-US" sz="2100" dirty="0"/>
               <a:t>(age = 0,name = "")))</a:t>
             </a:r>
             <a:br>
-              <a:rPr lang="en-US" sz="2100"/>
+              <a:rPr lang="en-US" sz="2100" dirty="0"/>
             </a:br>
             <a:r>
-              <a:rPr lang="en-US" sz="2100"/>
+              <a:rPr lang="en-US" sz="2100" dirty="0"/>
               <a:t>&gt;$age</a:t>
             </a:r>
           </a:p>
@@ -18194,7 +18202,7 @@
               <a:buNone/>
             </a:pPr>
             <a:r>
-              <a:rPr lang="en-US" sz="2100"/>
+              <a:rPr lang="en-US" sz="2100" dirty="0"/>
               <a:t>[1] 12 24 35 20</a:t>
             </a:r>
           </a:p>
@@ -18203,7 +18211,7 @@
               <a:buNone/>
             </a:pPr>
             <a:r>
-              <a:rPr lang="en-US" sz="2100"/>
+              <a:rPr lang="en-US" sz="2100" dirty="0"/>
               <a:t>&gt;$name</a:t>
             </a:r>
           </a:p>
@@ -18212,16 +18220,48 @@
               <a:buNone/>
             </a:pPr>
             <a:r>
-              <a:rPr lang="hu-HU" sz="2100"/>
-              <a:t>[1] "bobby"   "kate"    "david"   "michael"</a:t>
-            </a:r>
-            <a:endParaRPr lang="en-US" sz="2100"/>
+              <a:rPr lang="hu-HU" sz="2100" dirty="0"/>
+              <a:t>[1] "</a:t>
+            </a:r>
+            <a:r>
+              <a:rPr lang="hu-HU" sz="2100" dirty="0" err="1"/>
+              <a:t>bobby</a:t>
+            </a:r>
+            <a:r>
+              <a:rPr lang="hu-HU" sz="2100" dirty="0"/>
+              <a:t>"   "</a:t>
+            </a:r>
+            <a:r>
+              <a:rPr lang="hu-HU" sz="2100" dirty="0" err="1"/>
+              <a:t>kate</a:t>
+            </a:r>
+            <a:r>
+              <a:rPr lang="hu-HU" sz="2100" dirty="0"/>
+              <a:t>"    "</a:t>
+            </a:r>
+            <a:r>
+              <a:rPr lang="hu-HU" sz="2100" dirty="0" err="1"/>
+              <a:t>david</a:t>
+            </a:r>
+            <a:r>
+              <a:rPr lang="hu-HU" sz="2100" dirty="0"/>
+              <a:t>"   "</a:t>
+            </a:r>
+            <a:r>
+              <a:rPr lang="hu-HU" sz="2100" dirty="0" err="1"/>
+              <a:t>michael</a:t>
+            </a:r>
+            <a:r>
+              <a:rPr lang="hu-HU" sz="2100" dirty="0"/>
+              <a:t>"</a:t>
+            </a:r>
+            <a:endParaRPr lang="en-US" sz="2100" dirty="0"/>
           </a:p>
           <a:p>
             <a:pPr marL="0" indent="0">
               <a:buNone/>
             </a:pPr>
-            <a:endParaRPr lang="en-US" sz="2100"/>
+            <a:endParaRPr lang="en-US" sz="2100" dirty="0"/>
           </a:p>
         </p:txBody>
       </p:sp>
@@ -18276,10 +18316,13 @@
           <a:lstStyle/>
           <a:p>
             <a:r>
-              <a:rPr lang="en-US"/>
-              <a:t>Readline() </a:t>
-            </a:r>
-            <a:endParaRPr lang="en-US" dirty="0"/>
+              <a:rPr lang="en-US" dirty="0" err="1"/>
+              <a:t>Readline</a:t>
+            </a:r>
+            <a:r>
+              <a:rPr lang="en-US" dirty="0"/>
+              <a:t>() </a:t>
+            </a:r>
           </a:p>
         </p:txBody>
       </p:sp>
@@ -18304,8 +18347,16 @@
           <a:lstStyle/>
           <a:p>
             <a:r>
-              <a:rPr lang="en-US"/>
-              <a:t>You can also read the keyboard input from the user with &gt;readline()</a:t>
+              <a:rPr lang="en-US" dirty="0"/>
+              <a:t>You can also read the keyboard input from the user with &gt;</a:t>
+            </a:r>
+            <a:r>
+              <a:rPr lang="en-US" dirty="0" err="1"/>
+              <a:t>readline</a:t>
+            </a:r>
+            <a:r>
+              <a:rPr lang="en-US" dirty="0"/>
+              <a:t>()</a:t>
             </a:r>
           </a:p>
           <a:p>
@@ -18313,16 +18364,31 @@
               <a:buNone/>
             </a:pPr>
             <a:r>
-              <a:rPr lang="en-US"/>
-              <a:t>&gt;readline() is mostly used with a prompt message, for example &gt;readline(“What is your Age: “)</a:t>
-            </a:r>
-          </a:p>
-          <a:p>
-            <a:r>
-              <a:rPr lang="en-US"/>
+              <a:rPr lang="en-US" dirty="0"/>
+              <a:t>&gt;</a:t>
+            </a:r>
+            <a:r>
+              <a:rPr lang="en-US" dirty="0" err="1"/>
+              <a:t>readline</a:t>
+            </a:r>
+            <a:r>
+              <a:rPr lang="en-US" dirty="0"/>
+              <a:t>() is mostly used with a prompt message, for example &gt;</a:t>
+            </a:r>
+            <a:r>
+              <a:rPr lang="en-US" dirty="0" err="1"/>
+              <a:t>readline</a:t>
+            </a:r>
+            <a:r>
+              <a:rPr lang="en-US" dirty="0"/>
+              <a:t>(“What is your Age: “)</a:t>
+            </a:r>
+          </a:p>
+          <a:p>
+            <a:r>
+              <a:rPr lang="en-US" dirty="0"/>
               <a:t>This will send the given string to the console and prompt the user for input.</a:t>
             </a:r>
-            <a:endParaRPr lang="en-US" dirty="0"/>
           </a:p>
         </p:txBody>
       </p:sp>
